--- a/Capabilities.pptx
+++ b/Capabilities.pptx
@@ -297,7 +297,7 @@
             <a:fld id="{1B9E88C5-C104-1D4D-887E-00A617007132}" type="datetimeFigureOut">
               <a:rPr lang="en-US" smtClean="0"/>
               <a:pPr/>
-              <a:t>3/31/2023</a:t>
+              <a:t>10/26/2023</a:t>
             </a:fld>
             <a:endParaRPr lang="en-US" dirty="0"/>
           </a:p>
@@ -465,7 +465,7 @@
             <a:fld id="{0F237061-72E3-FC45-B1DA-EE364FA20673}" type="datetimeFigureOut">
               <a:rPr lang="en-US" smtClean="0"/>
               <a:pPr/>
-              <a:t>3/31/2023</a:t>
+              <a:t>10/24/2023</a:t>
             </a:fld>
             <a:endParaRPr lang="en-US" dirty="0"/>
           </a:p>
@@ -973,7 +973,7 @@
           <a:p>
             <a:fld id="{92FD98AD-7C5B-4994-98B8-765221AB7D4C}" type="datetimeFigureOut">
               <a:rPr lang="en-US" smtClean="0"/>
-              <a:t>3/31/2023</a:t>
+              <a:t>10/24/2023</a:t>
             </a:fld>
             <a:endParaRPr lang="en-US"/>
           </a:p>
@@ -1172,7 +1172,7 @@
           <a:p>
             <a:fld id="{92FD98AD-7C5B-4994-98B8-765221AB7D4C}" type="datetimeFigureOut">
               <a:rPr lang="en-US" smtClean="0"/>
-              <a:t>3/31/2023</a:t>
+              <a:t>10/24/2023</a:t>
             </a:fld>
             <a:endParaRPr lang="en-US"/>
           </a:p>
@@ -1381,7 +1381,7 @@
           <a:p>
             <a:fld id="{92FD98AD-7C5B-4994-98B8-765221AB7D4C}" type="datetimeFigureOut">
               <a:rPr lang="en-US" smtClean="0"/>
-              <a:t>3/31/2023</a:t>
+              <a:t>10/24/2023</a:t>
             </a:fld>
             <a:endParaRPr lang="en-US"/>
           </a:p>
@@ -1811,7 +1811,7 @@
           <a:p>
             <a:fld id="{92FD98AD-7C5B-4994-98B8-765221AB7D4C}" type="datetimeFigureOut">
               <a:rPr lang="en-US" smtClean="0"/>
-              <a:t>3/31/2023</a:t>
+              <a:t>10/24/2023</a:t>
             </a:fld>
             <a:endParaRPr lang="en-US"/>
           </a:p>
@@ -2087,7 +2087,7 @@
           <a:p>
             <a:fld id="{92FD98AD-7C5B-4994-98B8-765221AB7D4C}" type="datetimeFigureOut">
               <a:rPr lang="en-US" smtClean="0"/>
-              <a:t>3/31/2023</a:t>
+              <a:t>10/24/2023</a:t>
             </a:fld>
             <a:endParaRPr lang="en-US"/>
           </a:p>
@@ -2353,7 +2353,7 @@
           <a:p>
             <a:fld id="{92FD98AD-7C5B-4994-98B8-765221AB7D4C}" type="datetimeFigureOut">
               <a:rPr lang="en-US" smtClean="0"/>
-              <a:t>3/31/2023</a:t>
+              <a:t>10/24/2023</a:t>
             </a:fld>
             <a:endParaRPr lang="en-US"/>
           </a:p>
@@ -2766,7 +2766,7 @@
           <a:p>
             <a:fld id="{92FD98AD-7C5B-4994-98B8-765221AB7D4C}" type="datetimeFigureOut">
               <a:rPr lang="en-US" smtClean="0"/>
-              <a:t>3/31/2023</a:t>
+              <a:t>10/24/2023</a:t>
             </a:fld>
             <a:endParaRPr lang="en-US"/>
           </a:p>
@@ -2908,7 +2908,7 @@
           <a:p>
             <a:fld id="{92FD98AD-7C5B-4994-98B8-765221AB7D4C}" type="datetimeFigureOut">
               <a:rPr lang="en-US" smtClean="0"/>
-              <a:t>3/31/2023</a:t>
+              <a:t>10/24/2023</a:t>
             </a:fld>
             <a:endParaRPr lang="en-US"/>
           </a:p>
@@ -3022,7 +3022,7 @@
           <a:p>
             <a:fld id="{92FD98AD-7C5B-4994-98B8-765221AB7D4C}" type="datetimeFigureOut">
               <a:rPr lang="en-US" smtClean="0"/>
-              <a:t>3/31/2023</a:t>
+              <a:t>10/24/2023</a:t>
             </a:fld>
             <a:endParaRPr lang="en-US"/>
           </a:p>
@@ -3334,7 +3334,7 @@
           <a:p>
             <a:fld id="{92FD98AD-7C5B-4994-98B8-765221AB7D4C}" type="datetimeFigureOut">
               <a:rPr lang="en-US" smtClean="0"/>
-              <a:t>3/31/2023</a:t>
+              <a:t>10/24/2023</a:t>
             </a:fld>
             <a:endParaRPr lang="en-US"/>
           </a:p>
@@ -3623,7 +3623,7 @@
           <a:p>
             <a:fld id="{92FD98AD-7C5B-4994-98B8-765221AB7D4C}" type="datetimeFigureOut">
               <a:rPr lang="en-US" smtClean="0"/>
-              <a:t>3/31/2023</a:t>
+              <a:t>10/24/2023</a:t>
             </a:fld>
             <a:endParaRPr lang="en-US"/>
           </a:p>
@@ -3865,7 +3865,7 @@
           <a:p>
             <a:fld id="{92FD98AD-7C5B-4994-98B8-765221AB7D4C}" type="datetimeFigureOut">
               <a:rPr lang="en-US" smtClean="0"/>
-              <a:t>3/31/2023</a:t>
+              <a:t>10/24/2023</a:t>
             </a:fld>
             <a:endParaRPr lang="en-US"/>
           </a:p>
@@ -9729,11 +9729,18 @@
             <a:p>
               <a:pPr algn="ctr"/>
               <a:r>
+                <a:rPr lang="en-US" sz="1050" b="0" i="0" dirty="0" err="1">
+                  <a:effectLst/>
+                  <a:latin typeface="Myriad Pro" panose="020B0503030403020204" pitchFamily="34" charset="0"/>
+                </a:rPr>
+                <a:t>AppKube</a:t>
+              </a:r>
+              <a:r>
                 <a:rPr lang="en-US" sz="1050" b="0" i="0" dirty="0">
                   <a:effectLst/>
                   <a:latin typeface="Myriad Pro" panose="020B0503030403020204" pitchFamily="34" charset="0"/>
                 </a:rPr>
-                <a:t>Xformation Product is a single </a:t>
+                <a:t> Product is a single </a:t>
               </a:r>
             </a:p>
             <a:p>
@@ -12646,7 +12653,7 @@
           <p:nvPr>
             <p:extLst>
               <p:ext uri="{D42A27DB-BD31-4B8C-83A1-F6EECF244321}">
-                <p14:modId xmlns:p14="http://schemas.microsoft.com/office/powerpoint/2010/main" val="451065110"/>
+                <p14:modId xmlns:p14="http://schemas.microsoft.com/office/powerpoint/2010/main" val="194152798"/>
               </p:ext>
             </p:extLst>
           </p:nvPr>
@@ -12988,7 +12995,15 @@
                     <a:p>
                       <a:r>
                         <a:rPr lang="en-IN" b="1" dirty="0"/>
-                        <a:t>While we are open to any flexible model, we strongly prefer, outcome based pricing model substantiated by our open product driven solutioning that protect customer investments.</a:t>
+                        <a:t>While we are open to any flexible model, we strongly prefer</a:t>
+                      </a:r>
+                      <a:r>
+                        <a:rPr lang="en-IN" b="1"/>
+                        <a:t>, outcome-based </a:t>
+                      </a:r>
+                      <a:r>
+                        <a:rPr lang="en-IN" b="1" dirty="0"/>
+                        <a:t>pricing model substantiated by our open product driven solutioning that protect customer investments.</a:t>
                       </a:r>
                     </a:p>
                   </a:txBody>
@@ -13959,6 +13974,12 @@
 </file>
 
 <file path=customXml/item1.xml><?xml version="1.0" encoding="utf-8"?>
+<p:properties xmlns:p="http://schemas.microsoft.com/office/2006/metadata/properties" xmlns:xsi="http://www.w3.org/2001/XMLSchema-instance" xmlns:pc="http://schemas.microsoft.com/office/infopath/2007/PartnerControls">
+  <documentManagement/>
+</p:properties>
+</file>
+
+<file path=customXml/item2.xml><?xml version="1.0" encoding="utf-8"?>
 <ct:contentTypeSchema xmlns:ct="http://schemas.microsoft.com/office/2006/metadata/contentType" xmlns:ma="http://schemas.microsoft.com/office/2006/metadata/properties/metaAttributes" ct:_="" ma:_="" ma:contentTypeName="Document" ma:contentTypeID="0x0101002C317F0AD02050489CEA68A8CF25C850" ma:contentTypeVersion="11" ma:contentTypeDescription="Create a new document." ma:contentTypeScope="" ma:versionID="2827eb6fcaaf4b88c7eb97ba38a93524">
   <xsd:schema xmlns:xsd="http://www.w3.org/2001/XMLSchema" xmlns:xs="http://www.w3.org/2001/XMLSchema" xmlns:p="http://schemas.microsoft.com/office/2006/metadata/properties" xmlns:ns2="dcca88f8-a7ae-4cfc-9184-d6b131f630bb" xmlns:ns3="c5a4b99e-4ccc-4a5c-98e4-7ab8633fd4df" targetNamespace="http://schemas.microsoft.com/office/2006/metadata/properties" ma:root="true" ma:fieldsID="8696a21874c65674d225a4f02c8f2095" ns2:_="" ns3:_="">
     <xsd:import namespace="dcca88f8-a7ae-4cfc-9184-d6b131f630bb"/>
@@ -14169,12 +14190,6 @@
 </ct:contentTypeSchema>
 </file>
 
-<file path=customXml/item2.xml><?xml version="1.0" encoding="utf-8"?>
-<p:properties xmlns:p="http://schemas.microsoft.com/office/2006/metadata/properties" xmlns:xsi="http://www.w3.org/2001/XMLSchema-instance" xmlns:pc="http://schemas.microsoft.com/office/infopath/2007/PartnerControls">
-  <documentManagement/>
-</p:properties>
-</file>
-
 <file path=customXml/item3.xml><?xml version="1.0" encoding="utf-8"?>
 <?mso-contentType ?>
 <FormTemplates xmlns="http://schemas.microsoft.com/sharepoint/v3/contenttype/forms">
@@ -14185,6 +14200,21 @@
 </file>
 
 <file path=customXml/itemProps1.xml><?xml version="1.0" encoding="utf-8"?>
+<ds:datastoreItem xmlns:ds="http://schemas.openxmlformats.org/officeDocument/2006/customXml" ds:itemID="{B51BF9A0-A380-42E8-B81F-03D2471160C1}">
+  <ds:schemaRefs>
+    <ds:schemaRef ds:uri="http://purl.org/dc/elements/1.1/"/>
+    <ds:schemaRef ds:uri="http://schemas.microsoft.com/office/2006/metadata/properties"/>
+    <ds:schemaRef ds:uri="http://purl.org/dc/terms/"/>
+    <ds:schemaRef ds:uri="http://schemas.openxmlformats.org/package/2006/metadata/core-properties"/>
+    <ds:schemaRef ds:uri="http://schemas.microsoft.com/office/2006/documentManagement/types"/>
+    <ds:schemaRef ds:uri="http://schemas.microsoft.com/office/infopath/2007/PartnerControls"/>
+    <ds:schemaRef ds:uri="http://www.w3.org/XML/1998/namespace"/>
+    <ds:schemaRef ds:uri="http://purl.org/dc/dcmitype/"/>
+  </ds:schemaRefs>
+</ds:datastoreItem>
+</file>
+
+<file path=customXml/itemProps2.xml><?xml version="1.0" encoding="utf-8"?>
 <ds:datastoreItem xmlns:ds="http://schemas.openxmlformats.org/officeDocument/2006/customXml" ds:itemID="{13044F30-6B1E-4C15-80A9-7FE40FEE09C6}">
   <ds:schemaRefs>
     <ds:schemaRef ds:uri="http://schemas.microsoft.com/office/2006/metadata/contentType"/>
@@ -14203,21 +14233,6 @@
 </ds:datastoreItem>
 </file>
 
-<file path=customXml/itemProps2.xml><?xml version="1.0" encoding="utf-8"?>
-<ds:datastoreItem xmlns:ds="http://schemas.openxmlformats.org/officeDocument/2006/customXml" ds:itemID="{B51BF9A0-A380-42E8-B81F-03D2471160C1}">
-  <ds:schemaRefs>
-    <ds:schemaRef ds:uri="http://purl.org/dc/elements/1.1/"/>
-    <ds:schemaRef ds:uri="http://schemas.microsoft.com/office/2006/metadata/properties"/>
-    <ds:schemaRef ds:uri="http://purl.org/dc/terms/"/>
-    <ds:schemaRef ds:uri="http://schemas.openxmlformats.org/package/2006/metadata/core-properties"/>
-    <ds:schemaRef ds:uri="http://schemas.microsoft.com/office/2006/documentManagement/types"/>
-    <ds:schemaRef ds:uri="http://schemas.microsoft.com/office/infopath/2007/PartnerControls"/>
-    <ds:schemaRef ds:uri="http://www.w3.org/XML/1998/namespace"/>
-    <ds:schemaRef ds:uri="http://purl.org/dc/dcmitype/"/>
-  </ds:schemaRefs>
-</ds:datastoreItem>
-</file>
-
 <file path=customXml/itemProps3.xml><?xml version="1.0" encoding="utf-8"?>
 <ds:datastoreItem xmlns:ds="http://schemas.openxmlformats.org/officeDocument/2006/customXml" ds:itemID="{321F4AC2-0AEA-4354-802A-609AA4E08D71}">
   <ds:schemaRefs>
